--- a/01 Document Databases. MongoDB/01 Document_DB__MongoDB.pptx
+++ b/01 Document Databases. MongoDB/01 Document_DB__MongoDB.pptx
@@ -32,6 +32,7 @@
     <p:sldId id="479" r:id="rId26"/>
     <p:sldId id="478" r:id="rId27"/>
     <p:sldId id="466" r:id="rId28"/>
+    <p:sldId id="480" r:id="rId29"/>
   </p:sldIdLst>
   <p:sldSz cx="9144000" cy="6858000" type="screen4x3"/>
   <p:notesSz cx="6858000" cy="9144000"/>
@@ -6278,7 +6279,7 @@
                 <a:latin typeface="Avenir Medium"/>
                 <a:cs typeface="Avenir Medium"/>
               </a:rPr>
-              <a:t>02-01_MongoDB – Introduction.js</a:t>
+              <a:t>01-01_MongoDB – Introduction.js</a:t>
             </a:r>
           </a:p>
           <a:p>
@@ -6729,7 +6730,7 @@
                 <a:latin typeface="Avenir Medium"/>
                 <a:cs typeface="Avenir Medium"/>
               </a:rPr>
-              <a:t>02-01_MongoDB – Introduction.js</a:t>
+              <a:t>01-01_MongoDB – Introduction.js</a:t>
             </a:r>
             <a:r>
               <a:rPr lang="en-US" dirty="0">
@@ -7083,7 +7084,7 @@
                 <a:latin typeface="Avenir Medium"/>
                 <a:cs typeface="Avenir Medium"/>
               </a:rPr>
-              <a:t>02-02_MongoDB - Managing collections</a:t>
+              <a:t>01-02_MongoDB - Managing collections</a:t>
             </a:r>
             <a:r>
               <a:rPr lang="en-US" sz="2200" dirty="0">
@@ -7527,7 +7528,7 @@
                 <a:latin typeface="Avenir Medium"/>
                 <a:cs typeface="Avenir Medium"/>
               </a:rPr>
-              <a:t>02-02_MongoDB - Managing collections</a:t>
+              <a:t>01-02_MongoDB - Managing collections</a:t>
             </a:r>
             <a:r>
               <a:rPr lang="en-US" sz="2200" dirty="0">
@@ -7914,7 +7915,7 @@
                 <a:latin typeface="Avenir Medium"/>
                 <a:cs typeface="Avenir Medium"/>
               </a:rPr>
-              <a:t>02-03_MongoDB - Queries (1), cursors</a:t>
+              <a:t>01-03_MongoDB - Queries (1), cursors</a:t>
             </a:r>
             <a:r>
               <a:rPr lang="en-US" sz="2200" dirty="0">
@@ -8413,7 +8414,7 @@
                 <a:latin typeface="Avenir Medium"/>
                 <a:cs typeface="Avenir Medium"/>
               </a:rPr>
-              <a:t>02-03_MongoDB - Queries (1), cursors</a:t>
+              <a:t>01-03_MongoDB - Queries (1), cursors</a:t>
             </a:r>
             <a:r>
               <a:rPr lang="en-US" sz="2200" dirty="0">
@@ -8915,7 +8916,7 @@
                 <a:latin typeface="Avenir Medium"/>
                 <a:cs typeface="Avenir Medium"/>
               </a:rPr>
-              <a:t>02-02_MongoDB - Queries (1), cursors</a:t>
+              <a:t>01-02_MongoDB - Queries (1), cursors</a:t>
             </a:r>
             <a:r>
               <a:rPr lang="en-US" sz="2200" dirty="0">
@@ -12409,6 +12410,424 @@
     <p:extLst>
       <p:ext uri="{BB962C8B-B14F-4D97-AF65-F5344CB8AC3E}">
         <p14:creationId xmlns:p14="http://schemas.microsoft.com/office/powerpoint/2010/main" val="1007104489"/>
+      </p:ext>
+    </p:extLst>
+  </p:cSld>
+  <p:clrMapOvr>
+    <a:masterClrMapping/>
+  </p:clrMapOvr>
+  <p:transition>
+    <p:random/>
+  </p:transition>
+</p:sld>
+</file>
+
+<file path=ppt/slides/slide28.xml><?xml version="1.0" encoding="utf-8"?>
+<p:sld xmlns:a="http://schemas.openxmlformats.org/drawingml/2006/main" xmlns:r="http://schemas.openxmlformats.org/officeDocument/2006/relationships" xmlns:p="http://schemas.openxmlformats.org/presentationml/2006/main">
+  <p:cSld>
+    <p:spTree>
+      <p:nvGrpSpPr>
+        <p:cNvPr id="1" name=""/>
+        <p:cNvGrpSpPr/>
+        <p:nvPr/>
+      </p:nvGrpSpPr>
+      <p:grpSpPr>
+        <a:xfrm>
+          <a:off x="0" y="0"/>
+          <a:ext cx="0" cy="0"/>
+          <a:chOff x="0" y="0"/>
+          <a:chExt cx="0" cy="0"/>
+        </a:xfrm>
+      </p:grpSpPr>
+      <p:sp>
+        <p:nvSpPr>
+          <p:cNvPr id="2" name="Title 1"/>
+          <p:cNvSpPr>
+            <a:spLocks noGrp="1"/>
+          </p:cNvSpPr>
+          <p:nvPr>
+            <p:ph type="title"/>
+          </p:nvPr>
+        </p:nvSpPr>
+        <p:spPr>
+          <a:xfrm>
+            <a:off x="304800" y="76200"/>
+            <a:ext cx="8686800" cy="1143000"/>
+          </a:xfrm>
+        </p:spPr>
+        <p:txBody>
+          <a:bodyPr anchor="ctr">
+            <a:normAutofit/>
+          </a:bodyPr>
+          <a:lstStyle/>
+          <a:p>
+            <a:pPr algn="ctr"/>
+            <a:r>
+              <a:rPr lang="en-US" dirty="0">
+                <a:latin typeface="Arial Unicode MS" panose="020B0604020202020204" pitchFamily="34" charset="-128"/>
+                <a:ea typeface="Arial Unicode MS" panose="020B0604020202020204" pitchFamily="34" charset="-128"/>
+                <a:cs typeface="Arial Unicode MS" panose="020B0604020202020204" pitchFamily="34" charset="-128"/>
+              </a:rPr>
+              <a:t>Free Courses on MongoDB University</a:t>
+            </a:r>
+            <a:endParaRPr lang="en-US" sz="3600" b="1" dirty="0">
+              <a:latin typeface="Arial Unicode MS" panose="020B0604020202020204" pitchFamily="34" charset="-128"/>
+              <a:ea typeface="Arial Unicode MS" panose="020B0604020202020204" pitchFamily="34" charset="-128"/>
+              <a:cs typeface="Arial Unicode MS" panose="020B0604020202020204" pitchFamily="34" charset="-128"/>
+            </a:endParaRPr>
+          </a:p>
+        </p:txBody>
+      </p:sp>
+      <p:sp>
+        <p:nvSpPr>
+          <p:cNvPr id="7" name="Text Placeholder 2"/>
+          <p:cNvSpPr txBox="1">
+            <a:spLocks/>
+          </p:cNvSpPr>
+          <p:nvPr/>
+        </p:nvSpPr>
+        <p:spPr>
+          <a:xfrm>
+            <a:off x="914400" y="1447800"/>
+            <a:ext cx="8229600" cy="5410200"/>
+          </a:xfrm>
+          <a:prstGeom prst="rect">
+            <a:avLst/>
+          </a:prstGeom>
+        </p:spPr>
+        <p:txBody>
+          <a:bodyPr>
+            <a:normAutofit/>
+          </a:bodyPr>
+          <a:lstStyle>
+            <a:lvl1pPr marL="365760" indent="-283464" algn="l" eaLnBrk="1" latinLnBrk="0" hangingPunct="1">
+              <a:lnSpc>
+                <a:spcPct val="100000"/>
+              </a:lnSpc>
+              <a:spcBef>
+                <a:spcPts val="600"/>
+              </a:spcBef>
+              <a:buClr>
+                <a:schemeClr val="accent1"/>
+              </a:buClr>
+              <a:buSzPct val="80000"/>
+              <a:buFont typeface="Wingdings 2"/>
+              <a:buChar char=""/>
+              <a:defRPr kumimoji="0" sz="3000">
+                <a:latin typeface="+mn-lt"/>
+              </a:defRPr>
+            </a:lvl1pPr>
+            <a:lvl2pPr marL="640080" lvl="1" indent="-237744" algn="l" eaLnBrk="1" latinLnBrk="0" hangingPunct="1">
+              <a:lnSpc>
+                <a:spcPct val="100000"/>
+              </a:lnSpc>
+              <a:spcBef>
+                <a:spcPts val="550"/>
+              </a:spcBef>
+              <a:buClr>
+                <a:schemeClr val="accent1"/>
+              </a:buClr>
+              <a:buFont typeface="Verdana"/>
+              <a:buChar char="◦"/>
+              <a:defRPr kumimoji="0" sz="2600">
+                <a:latin typeface="+mn-lt"/>
+              </a:defRPr>
+            </a:lvl2pPr>
+            <a:lvl3pPr marL="886968" indent="-228600" algn="l" eaLnBrk="1" latinLnBrk="0" hangingPunct="1">
+              <a:lnSpc>
+                <a:spcPct val="100000"/>
+              </a:lnSpc>
+              <a:buClr>
+                <a:schemeClr val="accent2"/>
+              </a:buClr>
+              <a:buFont typeface="Wingdings 2"/>
+              <a:buChar char=""/>
+              <a:defRPr kumimoji="0" sz="2400">
+                <a:latin typeface="+mn-lt"/>
+              </a:defRPr>
+            </a:lvl3pPr>
+            <a:lvl4pPr marL="1097280" indent="-173736" algn="l" eaLnBrk="1" latinLnBrk="0" hangingPunct="1">
+              <a:lnSpc>
+                <a:spcPct val="100000"/>
+              </a:lnSpc>
+              <a:buClr>
+                <a:schemeClr val="accent3"/>
+              </a:buClr>
+              <a:buFont typeface="Wingdings 2"/>
+              <a:buChar char=""/>
+              <a:defRPr kumimoji="0" sz="2000">
+                <a:latin typeface="+mn-lt"/>
+              </a:defRPr>
+            </a:lvl4pPr>
+            <a:lvl5pPr marL="1298448" indent="-182880" algn="l" eaLnBrk="1" latinLnBrk="0" hangingPunct="1">
+              <a:lnSpc>
+                <a:spcPct val="100000"/>
+              </a:lnSpc>
+              <a:buClr>
+                <a:schemeClr val="accent4"/>
+              </a:buClr>
+              <a:buFont typeface="Wingdings 2"/>
+              <a:buChar char=""/>
+              <a:defRPr kumimoji="0" sz="2000">
+                <a:latin typeface="+mn-lt"/>
+              </a:defRPr>
+            </a:lvl5pPr>
+            <a:lvl6pPr marL="1508760" indent="-182880">
+              <a:lnSpc>
+                <a:spcPct val="100000"/>
+              </a:lnSpc>
+              <a:spcBef>
+                <a:spcPct val="20000"/>
+              </a:spcBef>
+              <a:buClr>
+                <a:schemeClr val="accent5"/>
+              </a:buClr>
+              <a:buFont typeface="Wingdings 2"/>
+              <a:buChar char=""/>
+              <a:defRPr kumimoji="0" sz="2000">
+                <a:latin typeface="+mn-lt"/>
+              </a:defRPr>
+            </a:lvl6pPr>
+            <a:lvl7pPr marL="1719072" indent="-182880">
+              <a:lnSpc>
+                <a:spcPct val="100000"/>
+              </a:lnSpc>
+              <a:spcBef>
+                <a:spcPct val="20000"/>
+              </a:spcBef>
+              <a:buClr>
+                <a:schemeClr val="accent6"/>
+              </a:buClr>
+              <a:buFont typeface="Wingdings 2"/>
+              <a:buChar char=""/>
+              <a:defRPr kumimoji="0" sz="2000">
+                <a:latin typeface="+mn-lt"/>
+              </a:defRPr>
+            </a:lvl7pPr>
+            <a:lvl8pPr marL="1920240" indent="-182880">
+              <a:lnSpc>
+                <a:spcPct val="100000"/>
+              </a:lnSpc>
+              <a:spcBef>
+                <a:spcPct val="20000"/>
+              </a:spcBef>
+              <a:buClr>
+                <a:schemeClr val="accent6"/>
+              </a:buClr>
+              <a:buFont typeface="Wingdings 2"/>
+              <a:buChar char=""/>
+              <a:defRPr kumimoji="0" sz="2000">
+                <a:latin typeface="+mn-lt"/>
+              </a:defRPr>
+            </a:lvl8pPr>
+            <a:lvl9pPr marL="2130552" indent="-182880">
+              <a:lnSpc>
+                <a:spcPct val="100000"/>
+              </a:lnSpc>
+              <a:spcBef>
+                <a:spcPct val="20000"/>
+              </a:spcBef>
+              <a:buClr>
+                <a:schemeClr val="accent6"/>
+              </a:buClr>
+              <a:buFont typeface="Wingdings 2"/>
+              <a:buChar char=""/>
+              <a:defRPr kumimoji="0" sz="2000">
+                <a:latin typeface="+mn-lt"/>
+              </a:defRPr>
+            </a:lvl9pPr>
+            <a:extLst/>
+          </a:lstStyle>
+          <a:p>
+            <a:pPr marL="82296" indent="0">
+              <a:lnSpc>
+                <a:spcPct val="110000"/>
+              </a:lnSpc>
+              <a:buNone/>
+            </a:pPr>
+            <a:endParaRPr lang="en-US" sz="1200" dirty="0">
+              <a:latin typeface="Avenir Medium"/>
+              <a:cs typeface="Avenir Medium"/>
+            </a:endParaRPr>
+          </a:p>
+          <a:p>
+            <a:pPr marL="82296" indent="0">
+              <a:lnSpc>
+                <a:spcPct val="110000"/>
+              </a:lnSpc>
+              <a:buNone/>
+            </a:pPr>
+            <a:r>
+              <a:rPr lang="en-GB" sz="2400" dirty="0">
+                <a:latin typeface="Avenir Medium"/>
+                <a:cs typeface="Avenir Medium"/>
+                <a:hlinkClick r:id="rId2"/>
+              </a:rPr>
+              <a:t>https://university.mongodb.com/courses/catalog</a:t>
+            </a:r>
+            <a:endParaRPr lang="en-GB" sz="2400" dirty="0">
+              <a:latin typeface="Avenir Medium"/>
+              <a:cs typeface="Avenir Medium"/>
+            </a:endParaRPr>
+          </a:p>
+          <a:p>
+            <a:pPr marL="82296" indent="0">
+              <a:lnSpc>
+                <a:spcPct val="110000"/>
+              </a:lnSpc>
+              <a:buNone/>
+            </a:pPr>
+            <a:endParaRPr lang="en-US" sz="2400" dirty="0">
+              <a:latin typeface="Avenir Medium"/>
+              <a:cs typeface="Avenir Medium"/>
+            </a:endParaRPr>
+          </a:p>
+          <a:p>
+            <a:pPr lvl="1">
+              <a:lnSpc>
+                <a:spcPct val="110000"/>
+              </a:lnSpc>
+            </a:pPr>
+            <a:r>
+              <a:rPr lang="en-US" sz="2800" dirty="0">
+                <a:latin typeface="Avenir Medium"/>
+                <a:cs typeface="Avenir Medium"/>
+              </a:rPr>
+              <a:t>MongoDB Basics</a:t>
+            </a:r>
+          </a:p>
+          <a:p>
+            <a:pPr lvl="1">
+              <a:lnSpc>
+                <a:spcPct val="110000"/>
+              </a:lnSpc>
+            </a:pPr>
+            <a:r>
+              <a:rPr lang="en-US" sz="2800" dirty="0">
+                <a:latin typeface="Avenir Medium"/>
+                <a:cs typeface="Avenir Medium"/>
+              </a:rPr>
+              <a:t>MongoDB for SQL Pros</a:t>
+            </a:r>
+          </a:p>
+          <a:p>
+            <a:pPr lvl="1">
+              <a:lnSpc>
+                <a:spcPct val="110000"/>
+              </a:lnSpc>
+            </a:pPr>
+            <a:r>
+              <a:rPr lang="en-US" sz="2800" dirty="0">
+                <a:latin typeface="Avenir Medium"/>
+                <a:cs typeface="Avenir Medium"/>
+              </a:rPr>
+              <a:t>The MongoDB Aggregation Framework</a:t>
+            </a:r>
+          </a:p>
+          <a:p>
+            <a:pPr lvl="1">
+              <a:lnSpc>
+                <a:spcPct val="110000"/>
+              </a:lnSpc>
+            </a:pPr>
+            <a:r>
+              <a:rPr lang="en-US" sz="2800" dirty="0">
+                <a:latin typeface="Avenir Medium"/>
+                <a:cs typeface="Avenir Medium"/>
+              </a:rPr>
+              <a:t>Basic Cluster Administration </a:t>
+            </a:r>
+          </a:p>
+          <a:p>
+            <a:pPr marL="82296" indent="0">
+              <a:lnSpc>
+                <a:spcPct val="110000"/>
+              </a:lnSpc>
+              <a:buNone/>
+            </a:pPr>
+            <a:endParaRPr lang="en-US" sz="2800" dirty="0">
+              <a:latin typeface="Avenir Medium"/>
+              <a:cs typeface="Avenir Medium"/>
+            </a:endParaRPr>
+          </a:p>
+          <a:p>
+            <a:pPr marL="82296" indent="0">
+              <a:lnSpc>
+                <a:spcPct val="110000"/>
+              </a:lnSpc>
+              <a:buNone/>
+            </a:pPr>
+            <a:endParaRPr lang="en-GB" sz="2400" dirty="0">
+              <a:latin typeface="Avenir Medium"/>
+              <a:cs typeface="Avenir Medium"/>
+            </a:endParaRPr>
+          </a:p>
+          <a:p>
+            <a:pPr marL="82296" indent="0">
+              <a:lnSpc>
+                <a:spcPct val="110000"/>
+              </a:lnSpc>
+              <a:buNone/>
+            </a:pPr>
+            <a:endParaRPr lang="en" sz="2400" dirty="0">
+              <a:latin typeface="Avenir Medium"/>
+              <a:cs typeface="Avenir Medium"/>
+            </a:endParaRPr>
+          </a:p>
+          <a:p>
+            <a:pPr marL="82296" indent="0">
+              <a:lnSpc>
+                <a:spcPct val="110000"/>
+              </a:lnSpc>
+              <a:buNone/>
+            </a:pPr>
+            <a:endParaRPr lang="en-US" sz="2000" dirty="0">
+              <a:latin typeface="Avenir Medium"/>
+              <a:cs typeface="Avenir Medium"/>
+            </a:endParaRPr>
+          </a:p>
+          <a:p>
+            <a:pPr marL="82296" indent="0">
+              <a:lnSpc>
+                <a:spcPct val="110000"/>
+              </a:lnSpc>
+              <a:buNone/>
+            </a:pPr>
+            <a:endParaRPr lang="en-US" dirty="0">
+              <a:latin typeface="Avenir Medium"/>
+              <a:cs typeface="Avenir Medium"/>
+            </a:endParaRPr>
+          </a:p>
+          <a:p>
+            <a:pPr marL="82296" indent="0">
+              <a:lnSpc>
+                <a:spcPct val="110000"/>
+              </a:lnSpc>
+              <a:buNone/>
+            </a:pPr>
+            <a:endParaRPr lang="en-US" dirty="0">
+              <a:latin typeface="Avenir Medium"/>
+              <a:cs typeface="Avenir Medium"/>
+            </a:endParaRPr>
+          </a:p>
+          <a:p>
+            <a:pPr marL="82296" indent="0">
+              <a:lnSpc>
+                <a:spcPct val="110000"/>
+              </a:lnSpc>
+              <a:buNone/>
+            </a:pPr>
+            <a:endParaRPr lang="en-US" dirty="0">
+              <a:latin typeface="Avenir Medium"/>
+              <a:cs typeface="Avenir Medium"/>
+            </a:endParaRPr>
+          </a:p>
+        </p:txBody>
+      </p:sp>
+    </p:spTree>
+    <p:extLst>
+      <p:ext uri="{BB962C8B-B14F-4D97-AF65-F5344CB8AC3E}">
+        <p14:creationId xmlns:p14="http://schemas.microsoft.com/office/powerpoint/2010/main" val="736283726"/>
       </p:ext>
     </p:extLst>
   </p:cSld>

--- a/01 Document Databases. MongoDB/01 Document_DB__MongoDB.pptx
+++ b/01 Document Databases. MongoDB/01 Document_DB__MongoDB.pptx
@@ -205,20 +205,36 @@
 </p:presentation>
 </file>
 
-<file path=ppt/revisionInfo.xml><?xml version="1.0" encoding="utf-8"?>
-<p1510:revInfo xmlns:a="http://schemas.openxmlformats.org/drawingml/2006/main" xmlns:r="http://schemas.openxmlformats.org/officeDocument/2006/relationships" xmlns:p1510="http://schemas.microsoft.com/office/powerpoint/2015/10/main">
-  <p1510:revLst>
-    <p1510:client id="{F2C02DFF-31BE-F847-8C2C-8D86534B4E96}" v="35" dt="2021-02-15T14:24:04.471"/>
-  </p1510:revLst>
-</p1510:revInfo>
-</file>
-
 <file path=ppt/changesInfos/changesInfo1.xml><?xml version="1.0" encoding="utf-8"?>
 <pc:chgInfo xmlns:a="http://schemas.openxmlformats.org/drawingml/2006/main" xmlns:r="http://schemas.openxmlformats.org/officeDocument/2006/relationships" xmlns:ac="http://schemas.microsoft.com/office/drawing/2013/main/command" xmlns:pc="http://schemas.microsoft.com/office/powerpoint/2013/main/command">
   <pc:docChgLst>
+    <pc:chgData name="Marin Fotache" userId="9233cd031198ef03" providerId="LiveId" clId="{B41FE962-87F4-EF4F-9DC9-4EE50DB45CD9}"/>
+    <pc:docChg chg="modSld">
+      <pc:chgData name="Marin Fotache" userId="9233cd031198ef03" providerId="LiveId" clId="{B41FE962-87F4-EF4F-9DC9-4EE50DB45CD9}" dt="2022-02-21T14:05:17.032" v="0" actId="20577"/>
+      <pc:docMkLst>
+        <pc:docMk/>
+      </pc:docMkLst>
+      <pc:sldChg chg="modSp mod">
+        <pc:chgData name="Marin Fotache" userId="9233cd031198ef03" providerId="LiveId" clId="{B41FE962-87F4-EF4F-9DC9-4EE50DB45CD9}" dt="2022-02-21T14:05:17.032" v="0" actId="20577"/>
+        <pc:sldMkLst>
+          <pc:docMk/>
+          <pc:sldMk cId="736283726" sldId="480"/>
+        </pc:sldMkLst>
+        <pc:spChg chg="mod">
+          <ac:chgData name="Marin Fotache" userId="9233cd031198ef03" providerId="LiveId" clId="{B41FE962-87F4-EF4F-9DC9-4EE50DB45CD9}" dt="2022-02-21T14:05:17.032" v="0" actId="20577"/>
+          <ac:spMkLst>
+            <pc:docMk/>
+            <pc:sldMk cId="736283726" sldId="480"/>
+            <ac:spMk id="2" creationId="{00000000-0000-0000-0000-000000000000}"/>
+          </ac:spMkLst>
+        </pc:spChg>
+      </pc:sldChg>
+    </pc:docChg>
+  </pc:docChgLst>
+  <pc:docChgLst>
     <pc:chgData name="Marin Fotache" userId="9233cd031198ef03" providerId="LiveId" clId="{F2C02DFF-31BE-F847-8C2C-8D86534B4E96}"/>
     <pc:docChg chg="custSel addSld delSld modSld">
-      <pc:chgData name="Marin Fotache" userId="9233cd031198ef03" providerId="LiveId" clId="{F2C02DFF-31BE-F847-8C2C-8D86534B4E96}" dt="2021-02-15T14:24:07.088" v="315" actId="20577"/>
+      <pc:chgData name="Marin Fotache" userId="9233cd031198ef03" providerId="LiveId" clId="{F2C02DFF-31BE-F847-8C2C-8D86534B4E96}" dt="2021-03-09T15:03:42.488" v="317" actId="20577"/>
       <pc:docMkLst>
         <pc:docMk/>
       </pc:docMkLst>
@@ -251,6 +267,21 @@
           <pc:docMk/>
           <pc:sldMk cId="364058019" sldId="463"/>
         </pc:sldMkLst>
+      </pc:sldChg>
+      <pc:sldChg chg="modSp mod">
+        <pc:chgData name="Marin Fotache" userId="9233cd031198ef03" providerId="LiveId" clId="{F2C02DFF-31BE-F847-8C2C-8D86534B4E96}" dt="2021-03-09T15:03:42.488" v="317" actId="20577"/>
+        <pc:sldMkLst>
+          <pc:docMk/>
+          <pc:sldMk cId="1601491668" sldId="464"/>
+        </pc:sldMkLst>
+        <pc:spChg chg="mod">
+          <ac:chgData name="Marin Fotache" userId="9233cd031198ef03" providerId="LiveId" clId="{F2C02DFF-31BE-F847-8C2C-8D86534B4E96}" dt="2021-03-09T15:03:42.488" v="317" actId="20577"/>
+          <ac:spMkLst>
+            <pc:docMk/>
+            <pc:sldMk cId="1601491668" sldId="464"/>
+            <ac:spMk id="7" creationId="{00000000-0000-0000-0000-000000000000}"/>
+          </ac:spMkLst>
+        </pc:spChg>
       </pc:sldChg>
       <pc:sldChg chg="modSp mod">
         <pc:chgData name="Marin Fotache" userId="9233cd031198ef03" providerId="LiveId" clId="{F2C02DFF-31BE-F847-8C2C-8D86534B4E96}" dt="2021-02-14T18:07:12.261" v="188" actId="20577"/>
@@ -9773,7 +9804,7 @@
                 <a:latin typeface="Avenir Medium"/>
                 <a:cs typeface="Avenir Medium"/>
               </a:rPr>
-              <a:t>02-04_MongoDB - Queries (2) - Aggregation Framework</a:t>
+              <a:t>01-04_MongoDB - Queries (2) - Aggregation Framework</a:t>
             </a:r>
             <a:endParaRPr lang="en-US" sz="2300" b="1" dirty="0">
               <a:latin typeface="Avenir Medium"/>
@@ -12468,7 +12499,15 @@
                 <a:ea typeface="Arial Unicode MS" panose="020B0604020202020204" pitchFamily="34" charset="-128"/>
                 <a:cs typeface="Arial Unicode MS" panose="020B0604020202020204" pitchFamily="34" charset="-128"/>
               </a:rPr>
-              <a:t>Free Courses on MongoDB University</a:t>
+              <a:t>Free Courses on </a:t>
+            </a:r>
+            <a:r>
+              <a:rPr lang="en-US">
+                <a:latin typeface="Arial Unicode MS" panose="020B0604020202020204" pitchFamily="34" charset="-128"/>
+                <a:ea typeface="Arial Unicode MS" panose="020B0604020202020204" pitchFamily="34" charset="-128"/>
+                <a:cs typeface="Arial Unicode MS" panose="020B0604020202020204" pitchFamily="34" charset="-128"/>
+              </a:rPr>
+              <a:t>MongoDB University </a:t>
             </a:r>
             <a:endParaRPr lang="en-US" sz="3600" b="1" dirty="0">
               <a:latin typeface="Arial Unicode MS" panose="020B0604020202020204" pitchFamily="34" charset="-128"/>

--- a/01 Document Databases. MongoDB/01 Document_DB__MongoDB.pptx
+++ b/01 Document Databases. MongoDB/01 Document_DB__MongoDB.pptx
@@ -13261,7 +13261,19 @@
               <a:rPr lang="en-US" sz="2000" dirty="0">
                 <a:latin typeface="Avenir Medium"/>
               </a:rPr>
-              <a:t>How to install MongoDB 4.4.1 on Windows 10 (2020)</a:t>
+              <a:t>How To Install MongoDB On Windows 10 | MongoDB Installation | MongoDB Tutorial | </a:t>
+            </a:r>
+            <a:r>
+              <a:rPr lang="en-US" sz="2000" dirty="0" err="1">
+                <a:latin typeface="Avenir Medium"/>
+              </a:rPr>
+              <a:t>Simplilearn</a:t>
+            </a:r>
+            <a:r>
+              <a:rPr lang="en-US" sz="2000" dirty="0">
+                <a:latin typeface="Avenir Medium"/>
+              </a:rPr>
+              <a:t> (2021)</a:t>
             </a:r>
           </a:p>
           <a:p>
@@ -13273,7 +13285,7 @@
                 <a:latin typeface="Avenir Medium"/>
                 <a:hlinkClick r:id="rId2"/>
               </a:rPr>
-              <a:t>https://www.youtube.com/watch?v=UJQiGBDKXY0</a:t>
+              <a:t>https://www.youtube.com/watch?v=Z478ODY4ceQ</a:t>
             </a:r>
             <a:endParaRPr lang="en-US" sz="1600" dirty="0">
               <a:latin typeface="Avenir Medium"/>

--- a/01 Document Databases. MongoDB/01 Document_DB__MongoDB.pptx
+++ b/01 Document Databases. MongoDB/01 Document_DB__MongoDB.pptx
@@ -205,8 +205,85 @@
 </p:presentation>
 </file>
 
+<file path=ppt/revisionInfo.xml><?xml version="1.0" encoding="utf-8"?>
+<p1510:revInfo xmlns:a="http://schemas.openxmlformats.org/drawingml/2006/main" xmlns:r="http://schemas.openxmlformats.org/officeDocument/2006/relationships" xmlns:p1510="http://schemas.microsoft.com/office/powerpoint/2015/10/main">
+  <p1510:revLst>
+    <p1510:client id="{F73E15C9-3F99-E547-91B1-F805E44DE1F3}" v="14" dt="2022-11-22T16:35:47.779"/>
+  </p1510:revLst>
+</p1510:revInfo>
+</file>
+
 <file path=ppt/changesInfos/changesInfo1.xml><?xml version="1.0" encoding="utf-8"?>
 <pc:chgInfo xmlns:a="http://schemas.openxmlformats.org/drawingml/2006/main" xmlns:r="http://schemas.openxmlformats.org/officeDocument/2006/relationships" xmlns:ac="http://schemas.microsoft.com/office/drawing/2013/main/command" xmlns:pc="http://schemas.microsoft.com/office/powerpoint/2013/main/command">
+  <pc:docChgLst>
+    <pc:chgData name="Marin Fotache" userId="9233cd031198ef03" providerId="LiveId" clId="{F73E15C9-3F99-E547-91B1-F805E44DE1F3}"/>
+    <pc:docChg chg="undo custSel modSld">
+      <pc:chgData name="Marin Fotache" userId="9233cd031198ef03" providerId="LiveId" clId="{F73E15C9-3F99-E547-91B1-F805E44DE1F3}" dt="2022-11-22T16:37:18.702" v="244"/>
+      <pc:docMkLst>
+        <pc:docMk/>
+      </pc:docMkLst>
+      <pc:sldChg chg="modSp mod">
+        <pc:chgData name="Marin Fotache" userId="9233cd031198ef03" providerId="LiveId" clId="{F73E15C9-3F99-E547-91B1-F805E44DE1F3}" dt="2022-11-19T19:09:06.569" v="225" actId="255"/>
+        <pc:sldMkLst>
+          <pc:docMk/>
+          <pc:sldMk cId="4161183439" sldId="332"/>
+        </pc:sldMkLst>
+        <pc:spChg chg="mod">
+          <ac:chgData name="Marin Fotache" userId="9233cd031198ef03" providerId="LiveId" clId="{F73E15C9-3F99-E547-91B1-F805E44DE1F3}" dt="2022-11-19T19:09:06.569" v="225" actId="255"/>
+          <ac:spMkLst>
+            <pc:docMk/>
+            <pc:sldMk cId="4161183439" sldId="332"/>
+            <ac:spMk id="7" creationId="{00000000-0000-0000-0000-000000000000}"/>
+          </ac:spMkLst>
+        </pc:spChg>
+      </pc:sldChg>
+      <pc:sldChg chg="modSp mod">
+        <pc:chgData name="Marin Fotache" userId="9233cd031198ef03" providerId="LiveId" clId="{F73E15C9-3F99-E547-91B1-F805E44DE1F3}" dt="2022-11-22T16:37:18.702" v="244"/>
+        <pc:sldMkLst>
+          <pc:docMk/>
+          <pc:sldMk cId="257455534" sldId="382"/>
+        </pc:sldMkLst>
+        <pc:spChg chg="mod">
+          <ac:chgData name="Marin Fotache" userId="9233cd031198ef03" providerId="LiveId" clId="{F73E15C9-3F99-E547-91B1-F805E44DE1F3}" dt="2022-11-22T16:37:18.702" v="244"/>
+          <ac:spMkLst>
+            <pc:docMk/>
+            <pc:sldMk cId="257455534" sldId="382"/>
+            <ac:spMk id="7" creationId="{00000000-0000-0000-0000-000000000000}"/>
+          </ac:spMkLst>
+        </pc:spChg>
+      </pc:sldChg>
+      <pc:sldChg chg="modSp mod">
+        <pc:chgData name="Marin Fotache" userId="9233cd031198ef03" providerId="LiveId" clId="{F73E15C9-3F99-E547-91B1-F805E44DE1F3}" dt="2022-11-16T18:46:33.700" v="76" actId="20577"/>
+        <pc:sldMkLst>
+          <pc:docMk/>
+          <pc:sldMk cId="2399708059" sldId="445"/>
+        </pc:sldMkLst>
+        <pc:spChg chg="mod">
+          <ac:chgData name="Marin Fotache" userId="9233cd031198ef03" providerId="LiveId" clId="{F73E15C9-3F99-E547-91B1-F805E44DE1F3}" dt="2022-11-16T18:46:33.700" v="76" actId="20577"/>
+          <ac:spMkLst>
+            <pc:docMk/>
+            <pc:sldMk cId="2399708059" sldId="445"/>
+            <ac:spMk id="3" creationId="{00000000-0000-0000-0000-000000000000}"/>
+          </ac:spMkLst>
+        </pc:spChg>
+      </pc:sldChg>
+      <pc:sldChg chg="modSp mod">
+        <pc:chgData name="Marin Fotache" userId="9233cd031198ef03" providerId="LiveId" clId="{F73E15C9-3F99-E547-91B1-F805E44DE1F3}" dt="2022-11-19T10:56:53.525" v="188" actId="20577"/>
+        <pc:sldMkLst>
+          <pc:docMk/>
+          <pc:sldMk cId="736283726" sldId="480"/>
+        </pc:sldMkLst>
+        <pc:spChg chg="mod">
+          <ac:chgData name="Marin Fotache" userId="9233cd031198ef03" providerId="LiveId" clId="{F73E15C9-3F99-E547-91B1-F805E44DE1F3}" dt="2022-11-19T10:56:53.525" v="188" actId="20577"/>
+          <ac:spMkLst>
+            <pc:docMk/>
+            <pc:sldMk cId="736283726" sldId="480"/>
+            <ac:spMk id="7" creationId="{00000000-0000-0000-0000-000000000000}"/>
+          </ac:spMkLst>
+        </pc:spChg>
+      </pc:sldChg>
+    </pc:docChg>
+  </pc:docChgLst>
   <pc:docChgLst>
     <pc:chgData name="Marin Fotache" userId="9233cd031198ef03" providerId="LiveId" clId="{B41FE962-87F4-EF4F-9DC9-4EE50DB45CD9}"/>
     <pc:docChg chg="modSld">
@@ -5973,21 +6050,7 @@
                 <a:latin typeface="Avenir Medium"/>
                 <a:cs typeface="Avenir Medium"/>
               </a:rPr>
-              <a:t>The best free MongoDB client we have found (so far) is </a:t>
-            </a:r>
-            <a:r>
-              <a:rPr lang="en-US" dirty="0" err="1">
-                <a:latin typeface="Avenir Medium"/>
-                <a:cs typeface="Avenir Medium"/>
-              </a:rPr>
-              <a:t>Robomongo</a:t>
-            </a:r>
-            <a:r>
-              <a:rPr lang="en-US" dirty="0">
-                <a:latin typeface="Avenir Medium"/>
-                <a:cs typeface="Avenir Medium"/>
-              </a:rPr>
-              <a:t>/Robo 3T</a:t>
+              <a:t>The best free MongoDB client we have found (so far) is Studio 3T Free</a:t>
             </a:r>
           </a:p>
           <a:p>
@@ -6003,7 +6066,7 @@
                 <a:cs typeface="Avenir Medium"/>
                 <a:hlinkClick r:id="rId3"/>
               </a:rPr>
-              <a:t>https://robomongo.org/download</a:t>
+              <a:t>https://studio3t.com/download-studio3t-free</a:t>
             </a:r>
             <a:endParaRPr lang="en-US" dirty="0">
               <a:latin typeface="Avenir Medium"/>
@@ -6055,7 +6118,21 @@
                 <a:latin typeface="Avenir Medium"/>
                 <a:cs typeface="Avenir Medium"/>
               </a:rPr>
-              <a:t>We will use Robo3T (except for the scripts, since Robo3T cannot execute multiple commands at once)</a:t>
+              <a:t>We will use Studio 3T Free (except for the scripts, </a:t>
+            </a:r>
+            <a:r>
+              <a:rPr lang="en-US">
+                <a:latin typeface="Avenir Medium"/>
+                <a:cs typeface="Avenir Medium"/>
+              </a:rPr>
+              <a:t>since Studio 3T Free </a:t>
+            </a:r>
+            <a:r>
+              <a:rPr lang="en-US" dirty="0">
+                <a:latin typeface="Avenir Medium"/>
+                <a:cs typeface="Avenir Medium"/>
+              </a:rPr>
+              <a:t>cannot execute multiple commands at once)</a:t>
             </a:r>
           </a:p>
         </p:txBody>
@@ -12778,6 +12855,17 @@
             </a:r>
           </a:p>
           <a:p>
+            <a:pPr lvl="1">
+              <a:lnSpc>
+                <a:spcPct val="110000"/>
+              </a:lnSpc>
+            </a:pPr>
+            <a:endParaRPr lang="en-US" sz="2800" dirty="0">
+              <a:latin typeface="Avenir Medium"/>
+              <a:cs typeface="Avenir Medium"/>
+            </a:endParaRPr>
+          </a:p>
+          <a:p>
             <a:pPr marL="82296" indent="0">
               <a:lnSpc>
                 <a:spcPct val="110000"/>
@@ -12979,13 +13067,6 @@
             </a:r>
           </a:p>
           <a:p>
-            <a:pPr lvl="1"/>
-            <a:r>
-              <a:rPr lang="en-US" sz="2600" dirty="0"/>
-              <a:t>Indexes</a:t>
-            </a:r>
-          </a:p>
-          <a:p>
             <a:r>
               <a:rPr lang="en-US" sz="3000" dirty="0"/>
               <a:t>Cursors</a:t>
@@ -13022,6 +13103,12 @@
             <a:r>
               <a:rPr lang="en-US" sz="3000" dirty="0"/>
               <a:t>Case study: sales</a:t>
+            </a:r>
+          </a:p>
+          <a:p>
+            <a:r>
+              <a:rPr lang="en-US" sz="3000" dirty="0"/>
+              <a:t>Deploying a MongoDB replica</a:t>
             </a:r>
           </a:p>
           <a:p>
@@ -13261,19 +13348,7 @@
               <a:rPr lang="en-US" sz="2000" dirty="0">
                 <a:latin typeface="Avenir Medium"/>
               </a:rPr>
-              <a:t>How To Install MongoDB On Windows 10 | MongoDB Installation | MongoDB Tutorial | </a:t>
-            </a:r>
-            <a:r>
-              <a:rPr lang="en-US" sz="2000" dirty="0" err="1">
-                <a:latin typeface="Avenir Medium"/>
-              </a:rPr>
-              <a:t>Simplilearn</a:t>
-            </a:r>
-            <a:r>
-              <a:rPr lang="en-US" sz="2000" dirty="0">
-                <a:latin typeface="Avenir Medium"/>
-              </a:rPr>
-              <a:t> (2021)</a:t>
+              <a:t>How to Install MongoDB on Windows 11 (2022) (15:20)</a:t>
             </a:r>
           </a:p>
           <a:p>
@@ -13285,13 +13360,74 @@
                 <a:latin typeface="Avenir Medium"/>
                 <a:hlinkClick r:id="rId2"/>
               </a:rPr>
-              <a:t>https://www.youtube.com/watch?v=Z478ODY4ceQ</a:t>
+              <a:t>https://www.youtube.com/watch?v=Ph1Z97X6xno</a:t>
             </a:r>
             <a:endParaRPr lang="en-US" sz="1600" dirty="0">
               <a:latin typeface="Avenir Medium"/>
             </a:endParaRPr>
           </a:p>
           <a:p>
+            <a:r>
+              <a:rPr lang="en-US" sz="2000" dirty="0">
+                <a:latin typeface="Avenir Medium"/>
+              </a:rPr>
+              <a:t>How to install </a:t>
+            </a:r>
+            <a:r>
+              <a:rPr lang="en-US" sz="2000" dirty="0" err="1">
+                <a:latin typeface="Avenir Medium"/>
+              </a:rPr>
+              <a:t>mongodb</a:t>
+            </a:r>
+            <a:r>
+              <a:rPr lang="en-US" sz="2000" dirty="0">
+                <a:latin typeface="Avenir Medium"/>
+              </a:rPr>
+              <a:t> on windows 10 / 11 [complete guide] | Version 5.0.12[latest] (2022-09) (6:30)</a:t>
+            </a:r>
+          </a:p>
+          <a:p>
+            <a:pPr marL="82296" indent="0">
+              <a:buNone/>
+            </a:pPr>
+            <a:r>
+              <a:rPr lang="en-US" sz="1600" dirty="0">
+                <a:latin typeface="Avenir Medium"/>
+                <a:hlinkClick r:id="rId3"/>
+              </a:rPr>
+              <a:t>https://www.youtube.com/watch?v=P4qLogg3THU</a:t>
+            </a:r>
+            <a:endParaRPr lang="en-US" sz="1600" dirty="0">
+              <a:latin typeface="Avenir Medium"/>
+            </a:endParaRPr>
+          </a:p>
+          <a:p>
+            <a:r>
+              <a:rPr lang="en-US" sz="2000" dirty="0">
+                <a:latin typeface="Avenir Medium"/>
+              </a:rPr>
+              <a:t>A Step-by-Step Guide to Install MongoDB on Windows 10 (2022-11) (4:02)</a:t>
+            </a:r>
+          </a:p>
+          <a:p>
+            <a:pPr marL="82296" indent="0">
+              <a:buNone/>
+            </a:pPr>
+            <a:r>
+              <a:rPr lang="en-US" sz="1600" dirty="0">
+                <a:latin typeface="Avenir Medium"/>
+                <a:hlinkClick r:id="rId4"/>
+              </a:rPr>
+              <a:t>https://www.youtube.com/watch?v=ftYsWX_bx2s</a:t>
+            </a:r>
+            <a:endParaRPr lang="en-US" sz="1600" dirty="0">
+              <a:latin typeface="Avenir Medium"/>
+            </a:endParaRPr>
+          </a:p>
+          <a:p>
+            <a:pPr marL="82296" indent="0">
+              <a:buNone/>
+            </a:pPr>
             <a:endParaRPr lang="en-US" sz="800" dirty="0">
               <a:latin typeface="Avenir Medium"/>
             </a:endParaRPr>
@@ -13301,75 +13437,7 @@
               <a:rPr lang="en-US" sz="2000" dirty="0">
                 <a:latin typeface="Avenir Medium"/>
               </a:rPr>
-              <a:t>How to Install MongoDB on Windows 7/8/10 | How to Install Mongo Compass as separate installer (2020)</a:t>
-            </a:r>
-          </a:p>
-          <a:p>
-            <a:pPr marL="82296" indent="0">
-              <a:buNone/>
-            </a:pPr>
-            <a:r>
-              <a:rPr lang="en-US" sz="1600" dirty="0">
-                <a:latin typeface="Avenir Medium"/>
-                <a:hlinkClick r:id="rId3">
-                  <a:extLst>
-                    <a:ext uri="{A12FA001-AC4F-418D-AE19-62706E023703}">
-                      <ahyp:hlinkClr xmlns:ahyp="http://schemas.microsoft.com/office/drawing/2018/hyperlinkcolor" val="tx"/>
-                    </a:ext>
-                  </a:extLst>
-                </a:hlinkClick>
-              </a:rPr>
-              <a:t>https://www.youtube.com/watch?v=MgZrTK595kM</a:t>
-            </a:r>
-            <a:endParaRPr lang="en-US" sz="1600" dirty="0">
-              <a:latin typeface="Avenir Medium"/>
-            </a:endParaRPr>
-          </a:p>
-          <a:p>
-            <a:endParaRPr lang="en-US" sz="800" dirty="0">
-              <a:latin typeface="Avenir Medium"/>
-            </a:endParaRPr>
-          </a:p>
-          <a:p>
-            <a:r>
-              <a:rPr lang="en-US" sz="2000" dirty="0">
-                <a:latin typeface="Avenir Medium"/>
-              </a:rPr>
-              <a:t>Learn how to set up a MongoDB (2020)</a:t>
-            </a:r>
-          </a:p>
-          <a:p>
-            <a:pPr marL="82296" indent="0">
-              <a:buNone/>
-            </a:pPr>
-            <a:r>
-              <a:rPr lang="en-US" sz="1600" dirty="0">
-                <a:latin typeface="Avenir Medium"/>
-                <a:hlinkClick r:id="rId4">
-                  <a:extLst>
-                    <a:ext uri="{A12FA001-AC4F-418D-AE19-62706E023703}">
-                      <ahyp:hlinkClr xmlns:ahyp="http://schemas.microsoft.com/office/drawing/2018/hyperlinkcolor" val="tx"/>
-                    </a:ext>
-                  </a:extLst>
-                </a:hlinkClick>
-              </a:rPr>
-              <a:t>https://medium.com/@fabianbosler/install-mongodb-d5cc6f6191a4</a:t>
-            </a:r>
-            <a:endParaRPr lang="en-US" sz="1600" dirty="0">
-              <a:latin typeface="Avenir Medium"/>
-            </a:endParaRPr>
-          </a:p>
-          <a:p>
-            <a:endParaRPr lang="en-US" sz="800" dirty="0">
-              <a:latin typeface="Avenir Medium"/>
-            </a:endParaRPr>
-          </a:p>
-          <a:p>
-            <a:r>
-              <a:rPr lang="en-US" sz="2300" dirty="0">
-                <a:latin typeface="Avenir Medium"/>
-              </a:rPr>
-              <a:t>Install MongoDB (Community Edition)</a:t>
+              <a:t>Install MongoDB (Community Edition) (2022)</a:t>
             </a:r>
           </a:p>
           <a:p>
@@ -13406,31 +13474,87 @@
             </a:endParaRPr>
           </a:p>
           <a:p>
-            <a:r>
-              <a:rPr lang="en-US" sz="2300" dirty="0">
+            <a:pPr marL="402336" lvl="1" indent="0">
+              <a:buNone/>
+            </a:pPr>
+            <a:endParaRPr lang="en-US" sz="1500" dirty="0">
+              <a:latin typeface="Avenir Medium"/>
+            </a:endParaRPr>
+          </a:p>
+          <a:p>
+            <a:r>
+              <a:rPr lang="en-US" sz="1800" dirty="0">
                 <a:latin typeface="Avenir Medium"/>
                 <a:cs typeface="Avenir Medium"/>
               </a:rPr>
-              <a:t>Install Robo 3T to Windows 10 (2020)</a:t>
-            </a:r>
-          </a:p>
-          <a:p>
-            <a:pPr marL="82296" lvl="1" indent="0">
-              <a:spcBef>
-                <a:spcPts val="600"/>
-              </a:spcBef>
-              <a:buSzPct val="80000"/>
+              <a:t>Studio 3T Free (</a:t>
+            </a:r>
+            <a:r>
+              <a:rPr lang="en-US" sz="1800" dirty="0">
+                <a:latin typeface="Avenir Medium"/>
+                <a:cs typeface="Avenir Medium"/>
+                <a:hlinkClick r:id="rId6"/>
+              </a:rPr>
+              <a:t>https://studio3t.com/download-studio3t-free/</a:t>
+            </a:r>
+            <a:r>
+              <a:rPr lang="en-US" sz="1800" dirty="0">
+                <a:latin typeface="Avenir Medium"/>
+                <a:cs typeface="Avenir Medium"/>
+              </a:rPr>
+              <a:t>)</a:t>
+            </a:r>
+          </a:p>
+          <a:p>
+            <a:pPr marL="82296" indent="0">
               <a:buNone/>
             </a:pPr>
             <a:r>
               <a:rPr lang="en-US" sz="1600" dirty="0">
                 <a:latin typeface="Avenir Medium"/>
-                <a:hlinkClick r:id="rId6"/>
-              </a:rPr>
-              <a:t>https://www.youtube.com/watch?v=wl7ccAXwnqg</a:t>
+                <a:cs typeface="Avenir Medium"/>
+                <a:hlinkClick r:id="rId7"/>
+              </a:rPr>
+              <a:t>https://studio3t.com/knowledge-base/articles/installation/</a:t>
             </a:r>
             <a:endParaRPr lang="en-US" sz="1600" dirty="0">
               <a:latin typeface="Avenir Medium"/>
+              <a:cs typeface="Avenir Medium"/>
+            </a:endParaRPr>
+          </a:p>
+          <a:p>
+            <a:pPr marL="82296" indent="0">
+              <a:buNone/>
+            </a:pPr>
+            <a:r>
+              <a:rPr lang="en-US" sz="1600" dirty="0">
+                <a:latin typeface="Avenir Medium"/>
+                <a:cs typeface="Avenir Medium"/>
+                <a:hlinkClick r:id="rId8"/>
+              </a:rPr>
+              <a:t>https://www.youtube.com/watch?v=dV_9txja2cs</a:t>
+            </a:r>
+            <a:endParaRPr lang="en-US" sz="1600" dirty="0">
+              <a:latin typeface="Avenir Medium"/>
+              <a:cs typeface="Avenir Medium"/>
+            </a:endParaRPr>
+          </a:p>
+          <a:p>
+            <a:pPr marL="82296" indent="0">
+              <a:buNone/>
+            </a:pPr>
+            <a:endParaRPr lang="en-US" sz="1800" dirty="0">
+              <a:latin typeface="Avenir Medium"/>
+              <a:cs typeface="Avenir Medium"/>
+            </a:endParaRPr>
+          </a:p>
+          <a:p>
+            <a:pPr marL="82296" indent="0">
+              <a:buNone/>
+            </a:pPr>
+            <a:endParaRPr lang="en-US" sz="1800" dirty="0">
+              <a:latin typeface="Avenir Medium"/>
+              <a:cs typeface="Avenir Medium"/>
             </a:endParaRPr>
           </a:p>
         </p:txBody>
